--- a/presentation/Matchmaker Presentation.pptx
+++ b/presentation/Matchmaker Presentation.pptx
@@ -139,6 +139,50 @@
     </p:ext>
   </p:extLst>
 </p:presentation>
+</file>
+
+<file path=ppt/changesInfos/changesInfo1.xml><?xml version="1.0" encoding="utf-8"?>
+<pc:chgInfo xmlns:a="http://schemas.openxmlformats.org/drawingml/2006/main" xmlns:r="http://schemas.openxmlformats.org/officeDocument/2006/relationships" xmlns:ac="http://schemas.microsoft.com/office/drawing/2013/main/command" xmlns:pc="http://schemas.microsoft.com/office/powerpoint/2013/main/command">
+  <pc:docChgLst>
+    <pc:chgData name="Rachel Williams" userId="7e2a90707fc01fe7" providerId="LiveId" clId="{B4183605-27D7-47EE-8941-896D13D656A1}"/>
+    <pc:docChg chg="undo custSel modSld">
+      <pc:chgData name="Rachel Williams" userId="7e2a90707fc01fe7" providerId="LiveId" clId="{B4183605-27D7-47EE-8941-896D13D656A1}" dt="2022-09-01T20:36:37.542" v="51" actId="20577"/>
+      <pc:docMkLst>
+        <pc:docMk/>
+      </pc:docMkLst>
+      <pc:sldChg chg="modSp mod">
+        <pc:chgData name="Rachel Williams" userId="7e2a90707fc01fe7" providerId="LiveId" clId="{B4183605-27D7-47EE-8941-896D13D656A1}" dt="2022-09-01T20:36:37.542" v="51" actId="20577"/>
+        <pc:sldMkLst>
+          <pc:docMk/>
+          <pc:sldMk cId="1448471967" sldId="341"/>
+        </pc:sldMkLst>
+        <pc:spChg chg="mod">
+          <ac:chgData name="Rachel Williams" userId="7e2a90707fc01fe7" providerId="LiveId" clId="{B4183605-27D7-47EE-8941-896D13D656A1}" dt="2022-09-01T20:36:37.542" v="51" actId="20577"/>
+          <ac:spMkLst>
+            <pc:docMk/>
+            <pc:sldMk cId="1448471967" sldId="341"/>
+            <ac:spMk id="4" creationId="{FABA94CC-2803-437F-B79F-A5067E28041B}"/>
+          </ac:spMkLst>
+        </pc:spChg>
+      </pc:sldChg>
+      <pc:sldChg chg="modSp mod">
+        <pc:chgData name="Rachel Williams" userId="7e2a90707fc01fe7" providerId="LiveId" clId="{B4183605-27D7-47EE-8941-896D13D656A1}" dt="2022-09-01T20:35:07.771" v="22" actId="207"/>
+        <pc:sldMkLst>
+          <pc:docMk/>
+          <pc:sldMk cId="1334822948" sldId="347"/>
+        </pc:sldMkLst>
+        <pc:spChg chg="mod">
+          <ac:chgData name="Rachel Williams" userId="7e2a90707fc01fe7" providerId="LiveId" clId="{B4183605-27D7-47EE-8941-896D13D656A1}" dt="2022-09-01T20:35:07.771" v="22" actId="207"/>
+          <ac:spMkLst>
+            <pc:docMk/>
+            <pc:sldMk cId="1334822948" sldId="347"/>
+            <ac:spMk id="4" creationId="{FABA94CC-2803-437F-B79F-A5067E28041B}"/>
+          </ac:spMkLst>
+        </pc:spChg>
+      </pc:sldChg>
+    </pc:docChg>
+  </pc:docChgLst>
+</pc:chgInfo>
 </file>
 
 <file path=ppt/handoutMasters/handoutMaster1.xml><?xml version="1.0" encoding="utf-8"?>
@@ -10704,7 +10748,25 @@
                 <a:ea typeface="Calibri" panose="020F0502020204030204" pitchFamily="34" charset="0"/>
                 <a:cs typeface="Times New Roman" panose="02020603050405020304" pitchFamily="18" charset="0"/>
               </a:rPr>
-              <a:t>Seekers enter both statistical and free-form information about themselves and preferences for a match and pay a fee to be matched. Matchmaker automatically filters user statistical data for compatibility, then presents anonymized potential matches to a human matchmaker. The matchmaker reviews the free-form “About Me” data, rates options on a scale of 1-10, then forwards the anonymized choices to the user. The user then has the option to choose one match. Once the user has chosen a match, an email is sent to both parties and their contact information is provided to both. A user may reject a previously chosen match, in which case, confirmation emails are again sent to both parties. The user is invited to try again, but only after paying the fee once more.</a:t>
+              <a:t>Seekers enter both statistical and free-form information about themselves and preferences for a match and pay a fee to be matched. Matchmaker automatically filters user statistical data for compatibility, then presents anonymized potential matches to a human matchmaker. The matchmaker reviews the free-form “About Me” data, rates acceptable matches on a scale of 1-10, then forwards the anonymized choices to the user. The user then has the option to choose one match. Once the user has chosen a match, an email is sent to both parties and their contact information is provided </a:t>
+            </a:r>
+            <a:r>
+              <a:rPr lang="en-US" sz="2400">
+                <a:effectLst/>
+                <a:latin typeface="Calibri" panose="020F0502020204030204" pitchFamily="34" charset="0"/>
+                <a:ea typeface="Calibri" panose="020F0502020204030204" pitchFamily="34" charset="0"/>
+                <a:cs typeface="Times New Roman" panose="02020603050405020304" pitchFamily="18" charset="0"/>
+              </a:rPr>
+              <a:t>to each. </a:t>
+            </a:r>
+            <a:r>
+              <a:rPr lang="en-US" sz="2400" dirty="0">
+                <a:effectLst/>
+                <a:latin typeface="Calibri" panose="020F0502020204030204" pitchFamily="34" charset="0"/>
+                <a:ea typeface="Calibri" panose="020F0502020204030204" pitchFamily="34" charset="0"/>
+                <a:cs typeface="Times New Roman" panose="02020603050405020304" pitchFamily="18" charset="0"/>
+              </a:rPr>
+              <a:t>A user may reject a previously chosen match, in which case, confirmation emails are again sent to both parties. The user is invited to try again, but only after paying the fee once more.</a:t>
             </a:r>
           </a:p>
           <a:p>
@@ -13621,7 +13683,7 @@
         </p:spPr>
         <p:txBody>
           <a:bodyPr numCol="3">
-            <a:normAutofit lnSpcReduction="10000"/>
+            <a:normAutofit fontScale="92500" lnSpcReduction="10000"/>
           </a:bodyPr>
           <a:lstStyle/>
           <a:p>
@@ -13680,9 +13742,12 @@
               <a:buChar char=""/>
             </a:pPr>
             <a:r>
-              <a:rPr lang="en-US" sz="2800" dirty="0">
+              <a:rPr lang="en-US" sz="2400" dirty="0">
                 <a:solidFill>
-                  <a:srgbClr val="201449"/>
+                  <a:schemeClr val="tx2">
+                    <a:lumMod val="50000"/>
+                    <a:lumOff val="50000"/>
+                  </a:schemeClr>
                 </a:solidFill>
                 <a:effectLst/>
                 <a:latin typeface="Calibri" panose="020F0502020204030204" pitchFamily="34" charset="0"/>
@@ -13707,9 +13772,12 @@
               <a:buChar char=""/>
             </a:pPr>
             <a:r>
-              <a:rPr lang="en-US" sz="2800" dirty="0">
+              <a:rPr lang="en-US" sz="2400" dirty="0">
                 <a:solidFill>
-                  <a:srgbClr val="201449"/>
+                  <a:schemeClr val="tx2">
+                    <a:lumMod val="50000"/>
+                    <a:lumOff val="50000"/>
+                  </a:schemeClr>
                 </a:solidFill>
                 <a:effectLst/>
                 <a:latin typeface="Calibri" panose="020F0502020204030204" pitchFamily="34" charset="0"/>
@@ -13734,9 +13802,12 @@
               <a:buChar char=""/>
             </a:pPr>
             <a:r>
-              <a:rPr lang="en-US" sz="2800" dirty="0" err="1">
+              <a:rPr lang="en-US" sz="2400" dirty="0" err="1">
                 <a:solidFill>
-                  <a:srgbClr val="201449"/>
+                  <a:schemeClr val="tx2">
+                    <a:lumMod val="50000"/>
+                    <a:lumOff val="50000"/>
+                  </a:schemeClr>
                 </a:solidFill>
                 <a:latin typeface="Calibri" panose="020F0502020204030204" pitchFamily="34" charset="0"/>
                 <a:ea typeface="Calibri" panose="020F0502020204030204" pitchFamily="34" charset="0"/>
@@ -13745,9 +13816,12 @@
               <a:t>GraphQL</a:t>
             </a:r>
             <a:r>
-              <a:rPr lang="en-US" sz="2800" dirty="0">
+              <a:rPr lang="en-US" sz="2400" dirty="0">
                 <a:solidFill>
-                  <a:srgbClr val="201449"/>
+                  <a:schemeClr val="tx2">
+                    <a:lumMod val="50000"/>
+                    <a:lumOff val="50000"/>
+                  </a:schemeClr>
                 </a:solidFill>
                 <a:latin typeface="Calibri" panose="020F0502020204030204" pitchFamily="34" charset="0"/>
                 <a:ea typeface="Calibri" panose="020F0502020204030204" pitchFamily="34" charset="0"/>
@@ -13771,9 +13845,12 @@
               <a:buChar char=""/>
             </a:pPr>
             <a:r>
-              <a:rPr lang="en-US" sz="2800" dirty="0">
+              <a:rPr lang="en-US" sz="2400" dirty="0">
                 <a:solidFill>
-                  <a:srgbClr val="201449"/>
+                  <a:schemeClr val="tx2">
+                    <a:lumMod val="50000"/>
+                    <a:lumOff val="50000"/>
+                  </a:schemeClr>
                 </a:solidFill>
                 <a:effectLst/>
                 <a:latin typeface="Calibri" panose="020F0502020204030204" pitchFamily="34" charset="0"/>
@@ -13798,17 +13875,92 @@
               <a:buChar char=""/>
             </a:pPr>
             <a:r>
-              <a:rPr lang="en-US" sz="2800" dirty="0">
+              <a:rPr lang="en-US" sz="2400" dirty="0">
                 <a:solidFill>
-                  <a:srgbClr val="201449"/>
+                  <a:schemeClr val="tx2">
+                    <a:lumMod val="50000"/>
+                    <a:lumOff val="50000"/>
+                  </a:schemeClr>
                 </a:solidFill>
                 <a:effectLst/>
                 <a:latin typeface="Calibri" panose="020F0502020204030204" pitchFamily="34" charset="0"/>
                 <a:ea typeface="Calibri" panose="020F0502020204030204" pitchFamily="34" charset="0"/>
                 <a:cs typeface="Times New Roman" panose="02020603050405020304" pitchFamily="18" charset="0"/>
               </a:rPr>
-              <a:t>Stripe*</a:t>
-            </a:r>
+              <a:t>Stripe</a:t>
+            </a:r>
+          </a:p>
+          <a:p>
+            <a:pPr marL="342900" marR="0" lvl="0" indent="-342900">
+              <a:lnSpc>
+                <a:spcPct val="107000"/>
+              </a:lnSpc>
+              <a:spcBef>
+                <a:spcPts val="0"/>
+              </a:spcBef>
+              <a:spcAft>
+                <a:spcPts val="800"/>
+              </a:spcAft>
+              <a:buFont typeface="Symbol" panose="05050102010706020507" pitchFamily="18" charset="2"/>
+              <a:buChar char=""/>
+            </a:pPr>
+            <a:endParaRPr lang="en-US" sz="2400" dirty="0">
+              <a:solidFill>
+                <a:srgbClr val="201449"/>
+              </a:solidFill>
+              <a:effectLst/>
+              <a:latin typeface="Calibri" panose="020F0502020204030204" pitchFamily="34" charset="0"/>
+              <a:ea typeface="Calibri" panose="020F0502020204030204" pitchFamily="34" charset="0"/>
+              <a:cs typeface="Times New Roman" panose="02020603050405020304" pitchFamily="18" charset="0"/>
+            </a:endParaRPr>
+          </a:p>
+          <a:p>
+            <a:pPr marL="342900" marR="0" lvl="0" indent="-342900">
+              <a:lnSpc>
+                <a:spcPct val="107000"/>
+              </a:lnSpc>
+              <a:spcBef>
+                <a:spcPts val="0"/>
+              </a:spcBef>
+              <a:spcAft>
+                <a:spcPts val="800"/>
+              </a:spcAft>
+              <a:buFont typeface="Symbol" panose="05050102010706020507" pitchFamily="18" charset="2"/>
+              <a:buChar char=""/>
+            </a:pPr>
+            <a:endParaRPr lang="en-US" sz="2400" dirty="0">
+              <a:solidFill>
+                <a:srgbClr val="201449"/>
+              </a:solidFill>
+              <a:effectLst/>
+              <a:latin typeface="Calibri" panose="020F0502020204030204" pitchFamily="34" charset="0"/>
+              <a:ea typeface="Calibri" panose="020F0502020204030204" pitchFamily="34" charset="0"/>
+              <a:cs typeface="Times New Roman" panose="02020603050405020304" pitchFamily="18" charset="0"/>
+            </a:endParaRPr>
+          </a:p>
+          <a:p>
+            <a:pPr marL="342900" marR="0" lvl="0" indent="-342900">
+              <a:lnSpc>
+                <a:spcPct val="107000"/>
+              </a:lnSpc>
+              <a:spcBef>
+                <a:spcPts val="0"/>
+              </a:spcBef>
+              <a:spcAft>
+                <a:spcPts val="800"/>
+              </a:spcAft>
+              <a:buFont typeface="Symbol" panose="05050102010706020507" pitchFamily="18" charset="2"/>
+              <a:buChar char=""/>
+            </a:pPr>
+            <a:endParaRPr lang="en-US" sz="2400" dirty="0">
+              <a:solidFill>
+                <a:srgbClr val="201449"/>
+              </a:solidFill>
+              <a:effectLst/>
+              <a:latin typeface="Calibri" panose="020F0502020204030204" pitchFamily="34" charset="0"/>
+              <a:ea typeface="Calibri" panose="020F0502020204030204" pitchFamily="34" charset="0"/>
+              <a:cs typeface="Times New Roman" panose="02020603050405020304" pitchFamily="18" charset="0"/>
+            </a:endParaRPr>
           </a:p>
           <a:p>
             <a:pPr marL="0" marR="0" indent="0">
@@ -13866,9 +14018,11 @@
               <a:buChar char=""/>
             </a:pPr>
             <a:r>
-              <a:rPr lang="en-US" sz="2800" dirty="0">
+              <a:rPr lang="en-US" sz="2400" dirty="0">
                 <a:solidFill>
-                  <a:schemeClr val="tx1">
+                  <a:schemeClr val="tx2">
+                    <a:lumMod val="75000"/>
+                    <a:lumOff val="25000"/>
                     <a:alpha val="70000"/>
                   </a:schemeClr>
                 </a:solidFill>
@@ -13878,9 +14032,11 @@
               </a:rPr>
               <a:t>Data structures</a:t>
             </a:r>
-            <a:endParaRPr lang="en-US" sz="2800" dirty="0">
+            <a:endParaRPr lang="en-US" sz="2400" dirty="0">
               <a:solidFill>
-                <a:schemeClr val="tx1">
+                <a:schemeClr val="tx2">
+                  <a:lumMod val="75000"/>
+                  <a:lumOff val="25000"/>
                   <a:alpha val="70000"/>
                 </a:schemeClr>
               </a:solidFill>
@@ -13905,9 +14061,11 @@
               <a:buChar char=""/>
             </a:pPr>
             <a:r>
-              <a:rPr lang="en-US" sz="2800" dirty="0">
+              <a:rPr lang="en-US" sz="2400" dirty="0">
                 <a:solidFill>
-                  <a:schemeClr val="tx1">
+                  <a:schemeClr val="tx2">
+                    <a:lumMod val="75000"/>
+                    <a:lumOff val="25000"/>
                     <a:alpha val="70000"/>
                   </a:schemeClr>
                 </a:solidFill>
@@ -13919,9 +14077,11 @@
               <a:t>Client pages: profile, </a:t>
             </a:r>
             <a:r>
-              <a:rPr lang="en-US" sz="2800" dirty="0" err="1">
+              <a:rPr lang="en-US" sz="2400" dirty="0" err="1">
                 <a:solidFill>
-                  <a:schemeClr val="tx1">
+                  <a:schemeClr val="tx2">
+                    <a:lumMod val="75000"/>
+                    <a:lumOff val="25000"/>
                     <a:alpha val="70000"/>
                   </a:schemeClr>
                 </a:solidFill>
@@ -13932,20 +14092,19 @@
               </a:rPr>
               <a:t>wishlist</a:t>
             </a:r>
-            <a:r>
-              <a:rPr lang="en-US" sz="2800" dirty="0">
-                <a:solidFill>
-                  <a:schemeClr val="tx1">
-                    <a:alpha val="70000"/>
-                  </a:schemeClr>
-                </a:solidFill>
-                <a:effectLst/>
-                <a:latin typeface="Calibri" panose="020F0502020204030204" pitchFamily="34" charset="0"/>
-                <a:ea typeface="Calibri" panose="020F0502020204030204" pitchFamily="34" charset="0"/>
-                <a:cs typeface="Times New Roman" panose="02020603050405020304" pitchFamily="18" charset="0"/>
-              </a:rPr>
-              <a:t>*</a:t>
-            </a:r>
+            <a:endParaRPr lang="en-US" sz="2400" dirty="0">
+              <a:solidFill>
+                <a:schemeClr val="tx2">
+                  <a:lumMod val="75000"/>
+                  <a:lumOff val="25000"/>
+                  <a:alpha val="70000"/>
+                </a:schemeClr>
+              </a:solidFill>
+              <a:effectLst/>
+              <a:latin typeface="Calibri" panose="020F0502020204030204" pitchFamily="34" charset="0"/>
+              <a:ea typeface="Calibri" panose="020F0502020204030204" pitchFamily="34" charset="0"/>
+              <a:cs typeface="Times New Roman" panose="02020603050405020304" pitchFamily="18" charset="0"/>
+            </a:endParaRPr>
           </a:p>
           <a:p>
             <a:pPr marL="342900" marR="0" lvl="0" indent="-342900">
@@ -13962,9 +14121,11 @@
               <a:buChar char=""/>
             </a:pPr>
             <a:r>
-              <a:rPr lang="en-US" sz="2800" dirty="0">
+              <a:rPr lang="en-US" sz="2400" dirty="0">
                 <a:solidFill>
-                  <a:schemeClr val="tx1">
+                  <a:schemeClr val="tx2">
+                    <a:lumMod val="75000"/>
+                    <a:lumOff val="25000"/>
                     <a:alpha val="70000"/>
                   </a:schemeClr>
                 </a:solidFill>
@@ -13991,9 +14152,11 @@
               <a:buChar char=""/>
             </a:pPr>
             <a:r>
-              <a:rPr lang="en-US" sz="2800" dirty="0" err="1">
+              <a:rPr lang="en-US" sz="2400" dirty="0" err="1">
                 <a:solidFill>
-                  <a:schemeClr val="tx1">
+                  <a:schemeClr val="tx2">
+                    <a:lumMod val="75000"/>
+                    <a:lumOff val="25000"/>
                     <a:alpha val="70000"/>
                   </a:schemeClr>
                 </a:solidFill>
@@ -14004,9 +14167,11 @@
               </a:rPr>
               <a:t>Nodemailer</a:t>
             </a:r>
-            <a:endParaRPr lang="en-US" sz="2800" dirty="0">
+            <a:endParaRPr lang="en-US" sz="2400" dirty="0">
               <a:solidFill>
-                <a:schemeClr val="tx1">
+                <a:schemeClr val="tx2">
+                  <a:lumMod val="75000"/>
+                  <a:lumOff val="25000"/>
                   <a:alpha val="70000"/>
                 </a:schemeClr>
               </a:solidFill>
@@ -14031,16 +14196,18 @@
               <a:buChar char=""/>
             </a:pPr>
             <a:r>
-              <a:rPr lang="en-US" sz="2800" dirty="0">
+              <a:rPr lang="en-US" sz="2400" dirty="0">
                 <a:solidFill>
-                  <a:schemeClr val="tx1">
+                  <a:schemeClr val="tx2">
+                    <a:lumMod val="75000"/>
+                    <a:lumOff val="25000"/>
                     <a:alpha val="70000"/>
                   </a:schemeClr>
                 </a:solidFill>
                 <a:latin typeface="Calibri" panose="020F0502020204030204" pitchFamily="34" charset="0"/>
                 <a:cs typeface="Times New Roman" panose="02020603050405020304" pitchFamily="18" charset="0"/>
               </a:rPr>
-              <a:t>Stripe*</a:t>
+              <a:t>Stripe</a:t>
             </a:r>
           </a:p>
           <a:p>
@@ -14115,8 +14282,8 @@
               <a:rPr lang="en-US" sz="2800" dirty="0">
                 <a:solidFill>
                   <a:schemeClr val="tx2">
-                    <a:lumMod val="75000"/>
-                    <a:lumOff val="25000"/>
+                    <a:lumMod val="50000"/>
+                    <a:lumOff val="50000"/>
                   </a:schemeClr>
                 </a:solidFill>
                 <a:latin typeface="Calibri" panose="020F0502020204030204" pitchFamily="34" charset="0"/>
@@ -14128,8 +14295,8 @@
               <a:rPr lang="en-US" sz="3600" b="1" dirty="0">
                 <a:solidFill>
                   <a:schemeClr val="tx2">
-                    <a:lumMod val="75000"/>
-                    <a:lumOff val="25000"/>
+                    <a:lumMod val="50000"/>
+                    <a:lumOff val="50000"/>
                   </a:schemeClr>
                 </a:solidFill>
                 <a:latin typeface="Calibri" panose="020F0502020204030204" pitchFamily="34" charset="0"/>
@@ -14141,8 +14308,8 @@
               <a:rPr lang="en-US" sz="3600" b="1" dirty="0">
                 <a:solidFill>
                   <a:schemeClr val="tx2">
-                    <a:lumMod val="75000"/>
-                    <a:lumOff val="25000"/>
+                    <a:lumMod val="50000"/>
+                    <a:lumOff val="50000"/>
                   </a:schemeClr>
                 </a:solidFill>
               </a:rPr>
@@ -14150,8 +14317,8 @@
             <a:endParaRPr lang="en-US" sz="3600" b="1" dirty="0">
               <a:solidFill>
                 <a:schemeClr val="tx2">
-                  <a:lumMod val="75000"/>
-                  <a:lumOff val="25000"/>
+                  <a:lumMod val="50000"/>
+                  <a:lumOff val="50000"/>
                 </a:schemeClr>
               </a:solidFill>
               <a:latin typeface="Calibri" panose="020F0502020204030204" pitchFamily="34" charset="0"/>
@@ -16172,6 +16339,25 @@
 </file>
 
 <file path=customXml/item1.xml><?xml version="1.0" encoding="utf-8"?>
+<p:properties xmlns:p="http://schemas.microsoft.com/office/2006/metadata/properties" xmlns:xsi="http://www.w3.org/2001/XMLSchema-instance" xmlns:pc="http://schemas.microsoft.com/office/infopath/2007/PartnerControls">
+  <documentManagement>
+    <Status xmlns="71af3243-3dd4-4a8d-8c0d-dd76da1f02a5">Not started</Status>
+    <_ip_UnifiedCompliancePolicyUIAction xmlns="http://schemas.microsoft.com/sharepoint/v3" xsi:nil="true"/>
+    <Image xmlns="71af3243-3dd4-4a8d-8c0d-dd76da1f02a5">
+      <Url xsi:nil="true"/>
+      <Description xsi:nil="true"/>
+    </Image>
+    <_ip_UnifiedCompliancePolicyProperties xmlns="http://schemas.microsoft.com/sharepoint/v3" xsi:nil="true"/>
+    <lcf76f155ced4ddcb4097134ff3c332f xmlns="71af3243-3dd4-4a8d-8c0d-dd76da1f02a5">
+      <Terms xmlns="http://schemas.microsoft.com/office/infopath/2007/PartnerControls"/>
+    </lcf76f155ced4ddcb4097134ff3c332f>
+    <TaxCatchAll xmlns="230e9df3-be65-4c73-a93b-d1236ebd677e"/>
+    <MediaServiceKeyPoints xmlns="71af3243-3dd4-4a8d-8c0d-dd76da1f02a5" xsi:nil="true"/>
+  </documentManagement>
+</p:properties>
+</file>
+
+<file path=customXml/item2.xml><?xml version="1.0" encoding="utf-8"?>
 <ct:contentTypeSchema xmlns:ct="http://schemas.microsoft.com/office/2006/metadata/contentType" xmlns:ma="http://schemas.microsoft.com/office/2006/metadata/properties/metaAttributes" ct:_="" ma:_="" ma:contentTypeName="Document" ma:contentTypeID="0x01010079F111ED35F8CC479449609E8A0923A6" ma:contentTypeVersion="18" ma:contentTypeDescription="Create a new document." ma:contentTypeScope="" ma:versionID="22a266b9fa9a230c5a512669d8b298c3">
   <xsd:schema xmlns:xsd="http://www.w3.org/2001/XMLSchema" xmlns:xs="http://www.w3.org/2001/XMLSchema" xmlns:p="http://schemas.microsoft.com/office/2006/metadata/properties" xmlns:ns1="http://schemas.microsoft.com/sharepoint/v3" xmlns:ns2="71af3243-3dd4-4a8d-8c0d-dd76da1f02a5" xmlns:ns3="16c05727-aa75-4e4a-9b5f-8a80a1165891" xmlns:ns4="230e9df3-be65-4c73-a93b-d1236ebd677e" targetNamespace="http://schemas.microsoft.com/office/2006/metadata/properties" ma:root="true" ma:fieldsID="eddc33fff6b14141ee5c74a0d29ea6a1" ns1:_="" ns2:_="" ns3:_="" ns4:_="">
     <xsd:import namespace="http://schemas.microsoft.com/sharepoint/v3"/>
@@ -16447,25 +16633,6 @@
 </ct:contentTypeSchema>
 </file>
 
-<file path=customXml/item2.xml><?xml version="1.0" encoding="utf-8"?>
-<p:properties xmlns:p="http://schemas.microsoft.com/office/2006/metadata/properties" xmlns:xsi="http://www.w3.org/2001/XMLSchema-instance" xmlns:pc="http://schemas.microsoft.com/office/infopath/2007/PartnerControls">
-  <documentManagement>
-    <Status xmlns="71af3243-3dd4-4a8d-8c0d-dd76da1f02a5">Not started</Status>
-    <_ip_UnifiedCompliancePolicyUIAction xmlns="http://schemas.microsoft.com/sharepoint/v3" xsi:nil="true"/>
-    <Image xmlns="71af3243-3dd4-4a8d-8c0d-dd76da1f02a5">
-      <Url xsi:nil="true"/>
-      <Description xsi:nil="true"/>
-    </Image>
-    <_ip_UnifiedCompliancePolicyProperties xmlns="http://schemas.microsoft.com/sharepoint/v3" xsi:nil="true"/>
-    <lcf76f155ced4ddcb4097134ff3c332f xmlns="71af3243-3dd4-4a8d-8c0d-dd76da1f02a5">
-      <Terms xmlns="http://schemas.microsoft.com/office/infopath/2007/PartnerControls"/>
-    </lcf76f155ced4ddcb4097134ff3c332f>
-    <TaxCatchAll xmlns="230e9df3-be65-4c73-a93b-d1236ebd677e"/>
-    <MediaServiceKeyPoints xmlns="71af3243-3dd4-4a8d-8c0d-dd76da1f02a5" xsi:nil="true"/>
-  </documentManagement>
-</p:properties>
-</file>
-
 <file path=customXml/item3.xml><?xml version="1.0" encoding="utf-8"?>
 <?mso-contentType ?>
 <FormTemplates xmlns="http://schemas.microsoft.com/sharepoint/v3/contenttype/forms">
@@ -16476,6 +16643,18 @@
 </file>
 
 <file path=customXml/itemProps1.xml><?xml version="1.0" encoding="utf-8"?>
+<ds:datastoreItem xmlns:ds="http://schemas.openxmlformats.org/officeDocument/2006/customXml" ds:itemID="{DAAFE2A1-77F8-441E-9B9F-DD61C354F4FE}">
+  <ds:schemaRefs>
+    <ds:schemaRef ds:uri="http://schemas.microsoft.com/office/2006/metadata/properties"/>
+    <ds:schemaRef ds:uri="http://schemas.microsoft.com/office/infopath/2007/PartnerControls"/>
+    <ds:schemaRef ds:uri="71af3243-3dd4-4a8d-8c0d-dd76da1f02a5"/>
+    <ds:schemaRef ds:uri="http://schemas.microsoft.com/sharepoint/v3"/>
+    <ds:schemaRef ds:uri="230e9df3-be65-4c73-a93b-d1236ebd677e"/>
+  </ds:schemaRefs>
+</ds:datastoreItem>
+</file>
+
+<file path=customXml/itemProps2.xml><?xml version="1.0" encoding="utf-8"?>
 <ds:datastoreItem xmlns:ds="http://schemas.openxmlformats.org/officeDocument/2006/customXml" ds:itemID="{56052644-F409-493B-8E91-969D43897F27}">
   <ds:schemaRefs>
     <ds:schemaRef ds:uri="http://schemas.microsoft.com/office/2006/metadata/contentType"/>
@@ -16496,18 +16675,6 @@
 </ds:datastoreItem>
 </file>
 
-<file path=customXml/itemProps2.xml><?xml version="1.0" encoding="utf-8"?>
-<ds:datastoreItem xmlns:ds="http://schemas.openxmlformats.org/officeDocument/2006/customXml" ds:itemID="{DAAFE2A1-77F8-441E-9B9F-DD61C354F4FE}">
-  <ds:schemaRefs>
-    <ds:schemaRef ds:uri="http://schemas.microsoft.com/office/2006/metadata/properties"/>
-    <ds:schemaRef ds:uri="http://schemas.microsoft.com/office/infopath/2007/PartnerControls"/>
-    <ds:schemaRef ds:uri="71af3243-3dd4-4a8d-8c0d-dd76da1f02a5"/>
-    <ds:schemaRef ds:uri="http://schemas.microsoft.com/sharepoint/v3"/>
-    <ds:schemaRef ds:uri="230e9df3-be65-4c73-a93b-d1236ebd677e"/>
-  </ds:schemaRefs>
-</ds:datastoreItem>
-</file>
-
 <file path=customXml/itemProps3.xml><?xml version="1.0" encoding="utf-8"?>
 <ds:datastoreItem xmlns:ds="http://schemas.openxmlformats.org/officeDocument/2006/customXml" ds:itemID="{5CF4B188-9E41-4609-81DC-EA2587D009AE}">
   <ds:schemaRefs>
